--- a/articles/assets/pptx/gallery_scatter_01.pptx
+++ b/articles/assets/pptx/gallery_scatter_01.pptx
@@ -110,7 +110,7 @@
 </p:presentation>
 </file>
 
-<file path=ppt/charts/chart38693e5d3c3f.xml><?xml version="1.0" encoding="utf-8"?>
+<file path=ppt/charts/chart3b7ac036f1f.xml><?xml version="1.0" encoding="utf-8"?>
 <c:chartSpace xmlns:c="http://schemas.openxmlformats.org/drawingml/2006/chart" xmlns:a="http://schemas.openxmlformats.org/drawingml/2006/main" xmlns:r="http://schemas.openxmlformats.org/officeDocument/2006/relationships">
   <c:date1904 val="0"/>
   <c:lang val="fr-FR"/>

--- a/articles/assets/pptx/gallery_scatter_01.pptx
+++ b/articles/assets/pptx/gallery_scatter_01.pptx
@@ -110,7 +110,7 @@
 </p:presentation>
 </file>
 
-<file path=ppt/charts/chart3b7ac036f1f.xml><?xml version="1.0" encoding="utf-8"?>
+<file path=ppt/charts/chartfcd46aee1f0.xml><?xml version="1.0" encoding="utf-8"?>
 <c:chartSpace xmlns:c="http://schemas.openxmlformats.org/drawingml/2006/chart" xmlns:a="http://schemas.openxmlformats.org/drawingml/2006/main" xmlns:r="http://schemas.openxmlformats.org/officeDocument/2006/relationships">
   <c:date1904 val="0"/>
   <c:lang val="fr-FR"/>
@@ -144,11 +144,7 @@
               </c:strCache>
             </c:strRef>
           </c:tx>
-          <c:spPr>
-            <a:ln>
-              <a:noFill/>
-            </a:ln>
-          </c:spPr>
+          <c:spPr/>
           <c:marker>
             <c:symbol val="circle"/>
             <c:size val="12"/>
@@ -261,48 +257,9 @@
               <c:f>sheet1!$B$2:$B$28</c:f>
               <c:numCache>
                 <c:ptCount val="27"/>
-                <c:pt idx="0">
-                  <c:v>NA</c:v>
-                </c:pt>
-                <c:pt idx="1">
-                  <c:v>NA</c:v>
-                </c:pt>
-                <c:pt idx="2">
-                  <c:v>NA</c:v>
-                </c:pt>
-                <c:pt idx="3">
-                  <c:v>NA</c:v>
-                </c:pt>
-                <c:pt idx="4">
-                  <c:v>NA</c:v>
-                </c:pt>
-                <c:pt idx="5">
-                  <c:v>NA</c:v>
-                </c:pt>
                 <c:pt idx="6">
                   <c:v>3.7</c:v>
                 </c:pt>
-                <c:pt idx="7">
-                  <c:v>NA</c:v>
-                </c:pt>
-                <c:pt idx="8">
-                  <c:v>NA</c:v>
-                </c:pt>
-                <c:pt idx="9">
-                  <c:v>NA</c:v>
-                </c:pt>
-                <c:pt idx="10">
-                  <c:v>NA</c:v>
-                </c:pt>
-                <c:pt idx="11">
-                  <c:v>NA</c:v>
-                </c:pt>
-                <c:pt idx="12">
-                  <c:v>NA</c:v>
-                </c:pt>
-                <c:pt idx="13">
-                  <c:v>NA</c:v>
-                </c:pt>
                 <c:pt idx="14">
                   <c:v>2.76</c:v>
                 </c:pt>
@@ -312,9 +269,6 @@
                 <c:pt idx="16">
                   <c:v>3.07</c:v>
                 </c:pt>
-                <c:pt idx="17">
-                  <c:v>NA</c:v>
-                </c:pt>
                 <c:pt idx="18">
                   <c:v>3.15</c:v>
                 </c:pt>
@@ -323,9 +277,6 @@
                 </c:pt>
                 <c:pt idx="20">
                   <c:v>3.73</c:v>
-                </c:pt>
-                <c:pt idx="21">
-                  <c:v>NA</c:v>
                 </c:pt>
                 <c:pt idx="22">
                   <c:v>3.21</c:v>
@@ -360,11 +311,7 @@
               </c:strCache>
             </c:strRef>
           </c:tx>
-          <c:spPr>
-            <a:ln>
-              <a:noFill/>
-            </a:ln>
-          </c:spPr>
+          <c:spPr/>
           <c:marker>
             <c:symbol val="circle"/>
             <c:size val="12"/>
@@ -489,27 +436,15 @@
                 <c:pt idx="3">
                   <c:v>4.08</c:v>
                 </c:pt>
-                <c:pt idx="4">
-                  <c:v>NA</c:v>
-                </c:pt>
                 <c:pt idx="5">
                   <c:v>3.85</c:v>
                 </c:pt>
-                <c:pt idx="6">
-                  <c:v>NA</c:v>
-                </c:pt>
-                <c:pt idx="7">
-                  <c:v>NA</c:v>
-                </c:pt>
                 <c:pt idx="8">
                   <c:v>4.11</c:v>
                 </c:pt>
                 <c:pt idx="9">
                   <c:v>3.92</c:v>
                 </c:pt>
-                <c:pt idx="10">
-                  <c:v>NA</c:v>
-                </c:pt>
                 <c:pt idx="11">
                   <c:v>3.69</c:v>
                 </c:pt>
@@ -518,45 +453,6 @@
                 </c:pt>
                 <c:pt idx="13">
                   <c:v>3.92</c:v>
-                </c:pt>
-                <c:pt idx="14">
-                  <c:v>NA</c:v>
-                </c:pt>
-                <c:pt idx="15">
-                  <c:v>NA</c:v>
-                </c:pt>
-                <c:pt idx="16">
-                  <c:v>NA</c:v>
-                </c:pt>
-                <c:pt idx="17">
-                  <c:v>NA</c:v>
-                </c:pt>
-                <c:pt idx="18">
-                  <c:v>NA</c:v>
-                </c:pt>
-                <c:pt idx="19">
-                  <c:v>NA</c:v>
-                </c:pt>
-                <c:pt idx="20">
-                  <c:v>NA</c:v>
-                </c:pt>
-                <c:pt idx="21">
-                  <c:v>NA</c:v>
-                </c:pt>
-                <c:pt idx="22">
-                  <c:v>NA</c:v>
-                </c:pt>
-                <c:pt idx="23">
-                  <c:v>NA</c:v>
-                </c:pt>
-                <c:pt idx="24">
-                  <c:v>NA</c:v>
-                </c:pt>
-                <c:pt idx="25">
-                  <c:v>NA</c:v>
-                </c:pt>
-                <c:pt idx="26">
-                  <c:v>NA</c:v>
                 </c:pt>
               </c:numCache>
             </c:numRef>
@@ -576,11 +472,7 @@
               </c:strCache>
             </c:strRef>
           </c:tx>
-          <c:spPr>
-            <a:ln>
-              <a:noFill/>
-            </a:ln>
-          </c:spPr>
+          <c:spPr/>
           <c:marker>
             <c:symbol val="circle"/>
             <c:size val="12"/>
@@ -693,86 +585,20 @@
               <c:f>sheet1!$D$2:$D$28</c:f>
               <c:numCache>
                 <c:ptCount val="27"/>
-                <c:pt idx="0">
-                  <c:v>NA</c:v>
-                </c:pt>
-                <c:pt idx="1">
-                  <c:v>NA</c:v>
-                </c:pt>
-                <c:pt idx="2">
-                  <c:v>NA</c:v>
-                </c:pt>
-                <c:pt idx="3">
-                  <c:v>NA</c:v>
-                </c:pt>
                 <c:pt idx="4">
                   <c:v>3.77</c:v>
                 </c:pt>
-                <c:pt idx="5">
-                  <c:v>NA</c:v>
-                </c:pt>
-                <c:pt idx="6">
-                  <c:v>NA</c:v>
-                </c:pt>
                 <c:pt idx="7">
                   <c:v>4.43</c:v>
                 </c:pt>
-                <c:pt idx="8">
-                  <c:v>NA</c:v>
-                </c:pt>
-                <c:pt idx="9">
-                  <c:v>NA</c:v>
-                </c:pt>
                 <c:pt idx="10">
                   <c:v>3.62</c:v>
                 </c:pt>
-                <c:pt idx="11">
-                  <c:v>NA</c:v>
-                </c:pt>
-                <c:pt idx="12">
-                  <c:v>NA</c:v>
-                </c:pt>
-                <c:pt idx="13">
-                  <c:v>NA</c:v>
-                </c:pt>
-                <c:pt idx="14">
-                  <c:v>NA</c:v>
-                </c:pt>
-                <c:pt idx="15">
-                  <c:v>NA</c:v>
-                </c:pt>
-                <c:pt idx="16">
-                  <c:v>NA</c:v>
-                </c:pt>
                 <c:pt idx="17">
                   <c:v>3.54</c:v>
                 </c:pt>
-                <c:pt idx="18">
-                  <c:v>NA</c:v>
-                </c:pt>
-                <c:pt idx="19">
-                  <c:v>NA</c:v>
-                </c:pt>
-                <c:pt idx="20">
-                  <c:v>NA</c:v>
-                </c:pt>
                 <c:pt idx="21">
                   <c:v>4.22</c:v>
-                </c:pt>
-                <c:pt idx="22">
-                  <c:v>NA</c:v>
-                </c:pt>
-                <c:pt idx="23">
-                  <c:v>NA</c:v>
-                </c:pt>
-                <c:pt idx="24">
-                  <c:v>NA</c:v>
-                </c:pt>
-                <c:pt idx="25">
-                  <c:v>NA</c:v>
-                </c:pt>
-                <c:pt idx="26">
-                  <c:v>NA</c:v>
                 </c:pt>
               </c:numCache>
             </c:numRef>
@@ -3087,7 +2913,7 @@
 
 <file path=ppt/slides/slide1.xml><?xml version="1.0" encoding="utf-8"?>
 <p:sld xmlns:a="http://schemas.openxmlformats.org/drawingml/2006/main" xmlns:r="http://schemas.openxmlformats.org/officeDocument/2006/relationships" xmlns:p="http://schemas.openxmlformats.org/presentationml/2006/main">
-  <p:cSld name="Title and Content">
+  <p:cSld>
     <p:spTree>
       <p:nvGrpSpPr>
         <p:cNvPr id="1" name=""/>
@@ -3121,11 +2947,6 @@
         </a:graphic>
       </p:graphicFrame>
     </p:spTree>
-    <p:extLst>
-      <p:ext uri="{BB962C8B-B14F-4D97-AF65-F5344CB8AC3E}">
-        <p14:creationId xmlns:p14="http://schemas.microsoft.com/office/powerpoint/2010/main" val="271576982"/>
-      </p:ext>
-    </p:extLst>
   </p:cSld>
   <p:clrMapOvr>
     <a:masterClrMapping/>

--- a/articles/assets/pptx/gallery_scatter_01.pptx
+++ b/articles/assets/pptx/gallery_scatter_01.pptx
@@ -110,7 +110,7 @@
 </p:presentation>
 </file>
 
-<file path=ppt/charts/chartfcd46aee1f0.xml><?xml version="1.0" encoding="utf-8"?>
+<file path=ppt/charts/chartbd543a98def.xml><?xml version="1.0" encoding="utf-8"?>
 <c:chartSpace xmlns:c="http://schemas.openxmlformats.org/drawingml/2006/chart" xmlns:a="http://schemas.openxmlformats.org/drawingml/2006/main" xmlns:r="http://schemas.openxmlformats.org/officeDocument/2006/relationships">
   <c:date1904 val="0"/>
   <c:lang val="fr-FR"/>
@@ -803,6 +803,23 @@
       <c:legendPos val="b"/>
       <c:layout/>
       <c:overlay val="0"/>
+      <c:txPr xmlns:c="http://schemas.openxmlformats.org/drawingml/2006/chart" xmlns:a="http://schemas.openxmlformats.org/drawingml/2006/main">
+        <a:bodyPr/>
+        <a:lstStyle/>
+        <a:p>
+          <a:pPr>
+            <a:defRPr sz="1400">
+              <a:solidFill>
+                <a:srgbClr val="000000">
+                  <a:alpha val="100000"/>
+                </a:srgbClr>
+              </a:solidFill>
+              <a:latin typeface="Arial"/>
+              <a:cs typeface="Arial"/>
+            </a:defRPr>
+          </a:pPr>
+        </a:p>
+      </c:txPr>
     </c:legend>
     <c:plotVisOnly val="1"/>
     <c:dispBlanksAs val="gap"/>

--- a/articles/assets/pptx/gallery_scatter_01.pptx
+++ b/articles/assets/pptx/gallery_scatter_01.pptx
@@ -110,7 +110,7 @@
 </p:presentation>
 </file>
 
-<file path=ppt/charts/chartbd543a98def.xml><?xml version="1.0" encoding="utf-8"?>
+<file path=ppt/charts/chart18455c4d4a23.xml><?xml version="1.0" encoding="utf-8"?>
 <c:chartSpace xmlns:c="http://schemas.openxmlformats.org/drawingml/2006/chart" xmlns:a="http://schemas.openxmlformats.org/drawingml/2006/main" xmlns:r="http://schemas.openxmlformats.org/officeDocument/2006/relationships">
   <c:date1904 val="0"/>
   <c:lang val="fr-FR"/>
@@ -144,7 +144,16 @@
               </c:strCache>
             </c:strRef>
           </c:tx>
-          <c:spPr/>
+          <c:spPr>
+            <a:ln algn="ctr" w="25400">
+              <a:solidFill>
+                <a:srgbClr val="4477AA">
+                  <a:alpha val="100000"/>
+                </a:srgbClr>
+              </a:solidFill>
+              <a:prstDash val="solid"/>
+            </a:ln>
+          </c:spPr>
           <c:marker>
             <c:symbol val="circle"/>
             <c:size val="12"/>
@@ -163,6 +172,34 @@
               </a:ln>
             </c:spPr>
           </c:marker>
+          <c:dLbls>
+            <c:numFmt formatCode="General" sourceLinked="0"/>
+            <c:txPr>
+              <a:bodyPr/>
+              <a:lstStyle/>
+              <a:p>
+                <a:pPr>
+                  <a:defRPr>
+                    <a:solidFill>
+                      <a:srgbClr val="000000">
+                        <a:alpha val="100000"/>
+                      </a:srgbClr>
+                    </a:solidFill>
+                    <a:latin typeface="Arial"/>
+                    <a:cs typeface="Arial"/>
+                  </a:defRPr>
+                </a:pPr>
+              </a:p>
+            </c:txPr>
+            <c:dLblPos val="ctr"/>
+            <c:showLegendKey val="0"/>
+            <c:showVal val="0"/>
+            <c:showCatName val="0"/>
+            <c:showSerName val="0"/>
+            <c:showPercent val="0"/>
+            <c:showBubbleSize val="0"/>
+            <c:separator val=", "/>
+          </c:dLbls>
           <c:xVal>
             <c:numRef>
               <c:f>sheet1!$A$2:$A$28</c:f>
@@ -311,7 +348,16 @@
               </c:strCache>
             </c:strRef>
           </c:tx>
-          <c:spPr/>
+          <c:spPr>
+            <a:ln algn="ctr" w="25400">
+              <a:solidFill>
+                <a:srgbClr val="DDCC77">
+                  <a:alpha val="100000"/>
+                </a:srgbClr>
+              </a:solidFill>
+              <a:prstDash val="solid"/>
+            </a:ln>
+          </c:spPr>
           <c:marker>
             <c:symbol val="circle"/>
             <c:size val="12"/>
@@ -330,6 +376,34 @@
               </a:ln>
             </c:spPr>
           </c:marker>
+          <c:dLbls>
+            <c:numFmt formatCode="General" sourceLinked="0"/>
+            <c:txPr>
+              <a:bodyPr/>
+              <a:lstStyle/>
+              <a:p>
+                <a:pPr>
+                  <a:defRPr>
+                    <a:solidFill>
+                      <a:srgbClr val="000000">
+                        <a:alpha val="100000"/>
+                      </a:srgbClr>
+                    </a:solidFill>
+                    <a:latin typeface="Arial"/>
+                    <a:cs typeface="Arial"/>
+                  </a:defRPr>
+                </a:pPr>
+              </a:p>
+            </c:txPr>
+            <c:dLblPos val="ctr"/>
+            <c:showLegendKey val="0"/>
+            <c:showVal val="0"/>
+            <c:showCatName val="0"/>
+            <c:showSerName val="0"/>
+            <c:showPercent val="0"/>
+            <c:showBubbleSize val="0"/>
+            <c:separator val=", "/>
+          </c:dLbls>
           <c:xVal>
             <c:numRef>
               <c:f>sheet1!$A$2:$A$28</c:f>
@@ -472,7 +546,16 @@
               </c:strCache>
             </c:strRef>
           </c:tx>
-          <c:spPr/>
+          <c:spPr>
+            <a:ln algn="ctr" w="25400">
+              <a:solidFill>
+                <a:srgbClr val="CC6677">
+                  <a:alpha val="100000"/>
+                </a:srgbClr>
+              </a:solidFill>
+              <a:prstDash val="solid"/>
+            </a:ln>
+          </c:spPr>
           <c:marker>
             <c:symbol val="circle"/>
             <c:size val="12"/>
@@ -491,6 +574,34 @@
               </a:ln>
             </c:spPr>
           </c:marker>
+          <c:dLbls>
+            <c:numFmt formatCode="General" sourceLinked="0"/>
+            <c:txPr>
+              <a:bodyPr/>
+              <a:lstStyle/>
+              <a:p>
+                <a:pPr>
+                  <a:defRPr>
+                    <a:solidFill>
+                      <a:srgbClr val="000000">
+                        <a:alpha val="100000"/>
+                      </a:srgbClr>
+                    </a:solidFill>
+                    <a:latin typeface="Arial"/>
+                    <a:cs typeface="Arial"/>
+                  </a:defRPr>
+                </a:pPr>
+              </a:p>
+            </c:txPr>
+            <c:dLblPos val="ctr"/>
+            <c:showLegendKey val="0"/>
+            <c:showVal val="0"/>
+            <c:showCatName val="0"/>
+            <c:showSerName val="0"/>
+            <c:showPercent val="0"/>
+            <c:showBubbleSize val="0"/>
+            <c:separator val=", "/>
+          </c:dLbls>
           <c:xVal>
             <c:numRef>
               <c:f>sheet1!$A$2:$A$28</c:f>
@@ -639,14 +750,6 @@
             </a:ln>
           </c:spPr>
         </c:majorGridlines>
-        <c:minorGridlines>
-          <c:spPr>
-            <a:ln algn="ctr" w="0">
-              <a:noFill/>
-              <a:prstDash val="solid"/>
-            </a:ln>
-          </c:spPr>
-        </c:minorGridlines>
         <c:title>
           <c:tx>
             <c:rich>
@@ -729,14 +832,6 @@
             </a:ln>
           </c:spPr>
         </c:majorGridlines>
-        <c:minorGridlines>
-          <c:spPr>
-            <a:ln algn="ctr" w="0">
-              <a:noFill/>
-              <a:prstDash val="solid"/>
-            </a:ln>
-          </c:spPr>
-        </c:minorGridlines>
         <c:title>
           <c:tx>
             <c:rich>
@@ -2947,7 +3042,7 @@
       </p:grpSpPr>
       <p:graphicFrame xmlns:a="http://schemas.openxmlformats.org/drawingml/2006/main" xmlns:r="http://schemas.openxmlformats.org/officeDocument/2006/relationships" xmlns:p="http://schemas.openxmlformats.org/presentationml/2006/main">
         <p:nvGraphicFramePr>
-          <p:cNvPr name="" id="2"/>
+          <p:cNvPr id="2" name=""/>
           <p:cNvGraphicFramePr>
             <a:graphicFrameLocks noGrp="true"/>
           </p:cNvGraphicFramePr>

--- a/articles/assets/pptx/gallery_scatter_01.pptx
+++ b/articles/assets/pptx/gallery_scatter_01.pptx
@@ -110,7 +110,7 @@
 </p:presentation>
 </file>
 
-<file path=ppt/charts/chart18455c4d4a23.xml><?xml version="1.0" encoding="utf-8"?>
+<file path=ppt/charts/chart170b4304560d2.xml><?xml version="1.0" encoding="utf-8"?>
 <c:chartSpace xmlns:c="http://schemas.openxmlformats.org/drawingml/2006/chart" xmlns:a="http://schemas.openxmlformats.org/drawingml/2006/main" xmlns:r="http://schemas.openxmlformats.org/officeDocument/2006/relationships">
   <c:date1904 val="0"/>
   <c:lang val="fr-FR"/>
@@ -124,7 +124,7 @@
     </mc:Fallback>
   </mc:AlternateContent>
   <c:chart>
-    <c:autoTitleDeleted val="0"/>
+    <c:autoTitleDeleted val="1"/>
     <c:plotArea xmlns:c="http://schemas.openxmlformats.org/drawingml/2006/chart" xmlns:a="http://schemas.openxmlformats.org/drawingml/2006/main" xmlns:r="http://schemas.openxmlformats.org/officeDocument/2006/relationships">
       <c:layout/>
       <c:scatterChart>
@@ -170,6 +170,7 @@
                   </a:srgbClr>
                 </a:solidFill>
               </a:ln>
+              <a:effectLst/>
             </c:spPr>
           </c:marker>
           <c:dLbls>
@@ -179,7 +180,7 @@
               <a:lstStyle/>
               <a:p>
                 <a:pPr>
-                  <a:defRPr>
+                  <a:defRPr cap="none">
                     <a:solidFill>
                       <a:srgbClr val="000000">
                         <a:alpha val="100000"/>
@@ -374,6 +375,7 @@
                   </a:srgbClr>
                 </a:solidFill>
               </a:ln>
+              <a:effectLst/>
             </c:spPr>
           </c:marker>
           <c:dLbls>
@@ -383,7 +385,7 @@
               <a:lstStyle/>
               <a:p>
                 <a:pPr>
-                  <a:defRPr>
+                  <a:defRPr cap="none">
                     <a:solidFill>
                       <a:srgbClr val="000000">
                         <a:alpha val="100000"/>
@@ -572,6 +574,7 @@
                   </a:srgbClr>
                 </a:solidFill>
               </a:ln>
+              <a:effectLst/>
             </c:spPr>
           </c:marker>
           <c:dLbls>
@@ -581,7 +584,7 @@
               <a:lstStyle/>
               <a:p>
                 <a:pPr>
-                  <a:defRPr>
+                  <a:defRPr cap="none">
                     <a:solidFill>
                       <a:srgbClr val="000000">
                         <a:alpha val="100000"/>
@@ -760,7 +763,7 @@
                   <a:defRPr/>
                 </a:pPr>
                 <a:r>
-                  <a:rPr sz="1600" b="1">
+                  <a:rPr cap="none" sz="1600" b="1">
                     <a:solidFill>
                       <a:srgbClr val="000000">
                         <a:alpha val="100000"/>
@@ -785,7 +788,7 @@
           <a:lstStyle/>
           <a:p>
             <a:pPr>
-              <a:defRPr sz="1000">
+              <a:defRPr cap="none" sz="1000">
                 <a:solidFill>
                   <a:srgbClr val="000000">
                     <a:alpha val="100000"/>
@@ -842,7 +845,7 @@
                   <a:defRPr/>
                 </a:pPr>
                 <a:r>
-                  <a:rPr sz="1600" b="1">
+                  <a:rPr cap="none" sz="1600" b="1">
                     <a:solidFill>
                       <a:srgbClr val="000000">
                         <a:alpha val="100000"/>
@@ -867,7 +870,7 @@
           <a:lstStyle/>
           <a:p>
             <a:pPr>
-              <a:defRPr sz="1000">
+              <a:defRPr cap="none" sz="1000">
                 <a:solidFill>
                   <a:srgbClr val="000000">
                     <a:alpha val="100000"/>
@@ -903,7 +906,7 @@
         <a:lstStyle/>
         <a:p>
           <a:pPr>
-            <a:defRPr sz="1400">
+            <a:defRPr cap="none" sz="1400">
               <a:solidFill>
                 <a:srgbClr val="000000">
                   <a:alpha val="100000"/>
